--- a/frida-feedback.pptx
+++ b/frida-feedback.pptx
@@ -737,8 +737,8 @@
         </p:nvSpPr>
         <p:spPr>
           <a:xfrm>
-            <a:off x="609600" y="889363"/>
-            <a:ext cx="4129088" cy="266700"/>
+            <a:off x="609599" y="889363"/>
+            <a:ext cx="5366657" cy="266700"/>
           </a:xfrm>
           <a:prstGeom prst="rect">
             <a:avLst/>
@@ -802,6 +802,17 @@
                 <a:cs typeface="Arial" pitchFamily="34" charset="-120"/>
               </a:rPr>
               <a:t>VSCode</a:t>
+            </a:r>
+            <a:r>
+              <a:rPr lang="en-US" sz="1500" b="1" dirty="0">
+                <a:solidFill>
+                  <a:srgbClr val="E33737"/>
+                </a:solidFill>
+                <a:latin typeface="Arial" pitchFamily="34" charset="0"/>
+                <a:ea typeface="Arial" pitchFamily="34" charset="-122"/>
+                <a:cs typeface="Arial" pitchFamily="34" charset="-120"/>
+              </a:rPr>
+              <a:t> – Java Spring Boot</a:t>
             </a:r>
             <a:endParaRPr lang="en-US" sz="1500" dirty="0"/>
           </a:p>
@@ -866,7 +877,105 @@
                 <a:ea typeface="Arial" pitchFamily="34" charset="-122"/>
                 <a:cs typeface="Arial" pitchFamily="34" charset="-120"/>
               </a:rPr>
-              <a:t> pese a necesitar copy-paste manual del código</a:t>
+              <a:t> pese a necesitar copy-paste manual del Código</a:t>
+            </a:r>
+          </a:p>
+          <a:p>
+            <a:pPr marL="114300" indent="-114300">
+              <a:lnSpc>
+                <a:spcPts val="2100"/>
+              </a:lnSpc>
+              <a:buSzPct val="100000"/>
+              <a:buFontTx/>
+              <a:buChar char="•"/>
+            </a:pPr>
+            <a:r>
+              <a:rPr lang="en-US" sz="1350" dirty="0">
+                <a:solidFill>
+                  <a:srgbClr val="292929"/>
+                </a:solidFill>
+                <a:latin typeface="Arial" pitchFamily="34" charset="0"/>
+                <a:ea typeface="Arial" pitchFamily="34" charset="-122"/>
+                <a:cs typeface="Arial" pitchFamily="34" charset="-120"/>
+              </a:rPr>
+              <a:t>⚠️ </a:t>
+            </a:r>
+            <a:r>
+              <a:rPr lang="en-US" sz="1350" b="1" dirty="0">
+                <a:solidFill>
+                  <a:srgbClr val="292929"/>
+                </a:solidFill>
+                <a:latin typeface="Arial" pitchFamily="34" charset="0"/>
+                <a:ea typeface="Arial" pitchFamily="34" charset="-122"/>
+                <a:cs typeface="Arial" pitchFamily="34" charset="-120"/>
+              </a:rPr>
+              <a:t>Modo </a:t>
+            </a:r>
+            <a:r>
+              <a:rPr lang="en-US" sz="1350" b="1" dirty="0" err="1">
+                <a:solidFill>
+                  <a:srgbClr val="292929"/>
+                </a:solidFill>
+                <a:latin typeface="Arial" pitchFamily="34" charset="0"/>
+                <a:ea typeface="Arial" pitchFamily="34" charset="-122"/>
+                <a:cs typeface="Arial" pitchFamily="34" charset="-120"/>
+              </a:rPr>
+              <a:t>Agente</a:t>
+            </a:r>
+            <a:r>
+              <a:rPr lang="en-US" sz="1350" b="1" dirty="0">
+                <a:solidFill>
+                  <a:srgbClr val="292929"/>
+                </a:solidFill>
+                <a:latin typeface="Arial" pitchFamily="34" charset="0"/>
+                <a:ea typeface="Arial" pitchFamily="34" charset="-122"/>
+                <a:cs typeface="Arial" pitchFamily="34" charset="-120"/>
+              </a:rPr>
+              <a:t> lento</a:t>
+            </a:r>
+            <a:r>
+              <a:rPr lang="en-US" sz="1350" dirty="0">
+                <a:solidFill>
+                  <a:srgbClr val="292929"/>
+                </a:solidFill>
+                <a:latin typeface="Arial" pitchFamily="34" charset="0"/>
+                <a:ea typeface="Arial" pitchFamily="34" charset="-122"/>
+                <a:cs typeface="Arial" pitchFamily="34" charset="-120"/>
+              </a:rPr>
+              <a:t> y con </a:t>
+            </a:r>
+            <a:r>
+              <a:rPr lang="en-US" sz="1350" dirty="0" err="1">
+                <a:solidFill>
+                  <a:srgbClr val="292929"/>
+                </a:solidFill>
+                <a:latin typeface="Arial" pitchFamily="34" charset="0"/>
+                <a:ea typeface="Arial" pitchFamily="34" charset="-122"/>
+                <a:cs typeface="Arial" pitchFamily="34" charset="-120"/>
+              </a:rPr>
+              <a:t>algunos</a:t>
+            </a:r>
+            <a:r>
+              <a:rPr lang="en-US" sz="1350" dirty="0">
+                <a:solidFill>
+                  <a:srgbClr val="292929"/>
+                </a:solidFill>
+                <a:latin typeface="Arial" pitchFamily="34" charset="0"/>
+                <a:ea typeface="Arial" pitchFamily="34" charset="-122"/>
+                <a:cs typeface="Arial" pitchFamily="34" charset="-120"/>
+              </a:rPr>
+              <a:t> </a:t>
+            </a:r>
+            <a:r>
+              <a:rPr lang="en-US" sz="1350" dirty="0" err="1">
+                <a:solidFill>
+                  <a:srgbClr val="292929"/>
+                </a:solidFill>
+                <a:latin typeface="Arial" pitchFamily="34" charset="0"/>
+                <a:ea typeface="Arial" pitchFamily="34" charset="-122"/>
+                <a:cs typeface="Arial" pitchFamily="34" charset="-120"/>
+              </a:rPr>
+              <a:t>errores</a:t>
             </a:r>
             <a:endParaRPr lang="en-US" sz="1350" dirty="0"/>
           </a:p>
@@ -909,18 +1018,19 @@
                 <a:ea typeface="Arial" pitchFamily="34" charset="-122"/>
                 <a:cs typeface="Arial" pitchFamily="34" charset="-120"/>
               </a:rPr>
-              <a:t> muy práctico directamente en el código</a:t>
-            </a:r>
-            <a:endParaRPr lang="en-US" sz="1350" dirty="0"/>
-          </a:p>
-          <a:p>
-            <a:pPr marL="114300" indent="-114300" algn="l">
-              <a:lnSpc>
-                <a:spcPts val="2100"/>
-              </a:lnSpc>
-              <a:buSzPct val="100000"/>
-              <a:buChar char="•"/>
-            </a:pPr>
+              <a:t> muy práctico directamente en </a:t>
+            </a:r>
+            <a:r>
+              <a:rPr lang="en-US" sz="1350" dirty="0" err="1">
+                <a:solidFill>
+                  <a:srgbClr val="292929"/>
+                </a:solidFill>
+                <a:latin typeface="Arial" pitchFamily="34" charset="0"/>
+                <a:ea typeface="Arial" pitchFamily="34" charset="-122"/>
+                <a:cs typeface="Arial" pitchFamily="34" charset="-120"/>
+              </a:rPr>
+              <a:t>el</a:t>
+            </a:r>
             <a:r>
               <a:rPr lang="en-US" sz="1350" dirty="0">
                 <a:solidFill>
@@ -930,29 +1040,18 @@
                 <a:ea typeface="Arial" pitchFamily="34" charset="-122"/>
                 <a:cs typeface="Arial" pitchFamily="34" charset="-120"/>
               </a:rPr>
-              <a:t>⚠️ </a:t>
-            </a:r>
-            <a:r>
-              <a:rPr lang="en-US" sz="1350" b="1" dirty="0">
-                <a:solidFill>
-                  <a:srgbClr val="292929"/>
-                </a:solidFill>
-                <a:latin typeface="Arial" pitchFamily="34" charset="0"/>
-                <a:ea typeface="Arial" pitchFamily="34" charset="-122"/>
-                <a:cs typeface="Arial" pitchFamily="34" charset="-120"/>
-              </a:rPr>
-              <a:t>Modo Agente lento</a:t>
-            </a:r>
-            <a:r>
-              <a:rPr lang="en-US" sz="1350" dirty="0">
-                <a:solidFill>
-                  <a:srgbClr val="292929"/>
-                </a:solidFill>
-                <a:latin typeface="Arial" pitchFamily="34" charset="0"/>
-                <a:ea typeface="Arial" pitchFamily="34" charset="-122"/>
-                <a:cs typeface="Arial" pitchFamily="34" charset="-120"/>
-              </a:rPr>
-              <a:t> y con errores frecuentes - necesita optimización</a:t>
+              <a:t> </a:t>
+            </a:r>
+            <a:r>
+              <a:rPr lang="en-US" sz="1350" dirty="0" err="1">
+                <a:solidFill>
+                  <a:srgbClr val="292929"/>
+                </a:solidFill>
+                <a:latin typeface="Arial" pitchFamily="34" charset="0"/>
+                <a:ea typeface="Arial" pitchFamily="34" charset="-122"/>
+                <a:cs typeface="Arial" pitchFamily="34" charset="-120"/>
+              </a:rPr>
+              <a:t>código</a:t>
             </a:r>
             <a:endParaRPr lang="en-US" sz="1350" dirty="0"/>
           </a:p>
@@ -1027,7 +1126,7 @@
                 <a:ea typeface="Arial" pitchFamily="34" charset="-122"/>
                 <a:cs typeface="Arial" pitchFamily="34" charset="-120"/>
               </a:rPr>
-              <a:t>Frontend - Plugin Figma2Frida</a:t>
+              <a:t>Frontend - Plugin Figma2Frida - Angular</a:t>
             </a:r>
             <a:endParaRPr lang="en-US" sz="1500" dirty="0"/>
           </a:p>
@@ -1149,7 +1248,7 @@
         </p:nvSpPr>
         <p:spPr>
           <a:xfrm>
-            <a:off x="476250" y="3308713"/>
+            <a:off x="476249" y="3518263"/>
             <a:ext cx="0" cy="266700"/>
           </a:xfrm>
           <a:prstGeom prst="line">
@@ -1179,7 +1278,7 @@
         </p:nvSpPr>
         <p:spPr>
           <a:xfrm>
-            <a:off x="609600" y="3308713"/>
+            <a:off x="609599" y="3518263"/>
             <a:ext cx="4129088" cy="266700"/>
           </a:xfrm>
           <a:prstGeom prst="rect">
@@ -1224,7 +1323,7 @@
         </p:nvSpPr>
         <p:spPr>
           <a:xfrm>
-            <a:off x="457200" y="3651613"/>
+            <a:off x="457199" y="3861163"/>
             <a:ext cx="8229600" cy="876300"/>
           </a:xfrm>
           <a:prstGeom prst="rect">
@@ -1245,6 +1344,17 @@
               <a:buChar char="•"/>
             </a:pPr>
             <a:r>
+              <a:rPr lang="en-US" sz="1350" dirty="0" err="1">
+                <a:solidFill>
+                  <a:srgbClr val="292929"/>
+                </a:solidFill>
+                <a:latin typeface="Arial" pitchFamily="34" charset="0"/>
+                <a:ea typeface="Arial" pitchFamily="34" charset="-122"/>
+                <a:cs typeface="Arial" pitchFamily="34" charset="-120"/>
+              </a:rPr>
+              <a:t>Optimizar</a:t>
+            </a:r>
+            <a:r>
               <a:rPr lang="en-US" sz="1350" dirty="0">
                 <a:solidFill>
                   <a:srgbClr val="292929"/>
@@ -1253,7 +1363,18 @@
                 <a:ea typeface="Arial" pitchFamily="34" charset="-122"/>
                 <a:cs typeface="Arial" pitchFamily="34" charset="-120"/>
               </a:rPr>
-              <a:t>Optimizar </a:t>
+              <a:t> </a:t>
+            </a:r>
+            <a:r>
+              <a:rPr lang="en-US" sz="1350" b="1" dirty="0" err="1">
+                <a:solidFill>
+                  <a:srgbClr val="292929"/>
+                </a:solidFill>
+                <a:latin typeface="Arial" pitchFamily="34" charset="0"/>
+                <a:ea typeface="Arial" pitchFamily="34" charset="-122"/>
+                <a:cs typeface="Arial" pitchFamily="34" charset="-120"/>
+              </a:rPr>
+              <a:t>velocidad</a:t>
             </a:r>
             <a:r>
               <a:rPr lang="en-US" sz="1350" b="1" dirty="0">
@@ -1264,18 +1385,18 @@
                 <a:ea typeface="Arial" pitchFamily="34" charset="-122"/>
                 <a:cs typeface="Arial" pitchFamily="34" charset="-120"/>
               </a:rPr>
-              <a:t>velocidad del modo agente</a:t>
-            </a:r>
-            <a:r>
-              <a:rPr lang="en-US" sz="1350" dirty="0">
-                <a:solidFill>
-                  <a:srgbClr val="292929"/>
-                </a:solidFill>
-                <a:latin typeface="Arial" pitchFamily="34" charset="0"/>
-                <a:ea typeface="Arial" pitchFamily="34" charset="-122"/>
-                <a:cs typeface="Arial" pitchFamily="34" charset="-120"/>
-              </a:rPr>
-              <a:t> y reducir tasa de errores</a:t>
+              <a:t> del modo </a:t>
+            </a:r>
+            <a:r>
+              <a:rPr lang="en-US" sz="1350" b="1" dirty="0" err="1">
+                <a:solidFill>
+                  <a:srgbClr val="292929"/>
+                </a:solidFill>
+                <a:latin typeface="Arial" pitchFamily="34" charset="0"/>
+                <a:ea typeface="Arial" pitchFamily="34" charset="-122"/>
+                <a:cs typeface="Arial" pitchFamily="34" charset="-120"/>
+              </a:rPr>
+              <a:t>agente</a:t>
             </a:r>
             <a:endParaRPr lang="en-US" sz="1350" dirty="0"/>
           </a:p>

--- a/frida-feedback.pptx
+++ b/frida-feedback.pptx
@@ -976,6 +976,61 @@
                 <a:cs typeface="Arial" pitchFamily="34" charset="-120"/>
               </a:rPr>
               <a:t>errores</a:t>
+            </a:r>
+            <a:r>
+              <a:rPr lang="en-US" sz="1350" dirty="0">
+                <a:solidFill>
+                  <a:srgbClr val="292929"/>
+                </a:solidFill>
+                <a:latin typeface="Arial" pitchFamily="34" charset="0"/>
+                <a:ea typeface="Arial" pitchFamily="34" charset="-122"/>
+                <a:cs typeface="Arial" pitchFamily="34" charset="-120"/>
+              </a:rPr>
+              <a:t> (</a:t>
+            </a:r>
+            <a:r>
+              <a:rPr lang="en-US" sz="1350" dirty="0" err="1">
+                <a:solidFill>
+                  <a:srgbClr val="292929"/>
+                </a:solidFill>
+                <a:latin typeface="Arial" pitchFamily="34" charset="0"/>
+                <a:ea typeface="Arial" pitchFamily="34" charset="-122"/>
+                <a:cs typeface="Arial" pitchFamily="34" charset="-120"/>
+              </a:rPr>
+              <a:t>varias</a:t>
+            </a:r>
+            <a:r>
+              <a:rPr lang="en-US" sz="1350" dirty="0">
+                <a:solidFill>
+                  <a:srgbClr val="292929"/>
+                </a:solidFill>
+                <a:latin typeface="Arial" pitchFamily="34" charset="0"/>
+                <a:ea typeface="Arial" pitchFamily="34" charset="-122"/>
+                <a:cs typeface="Arial" pitchFamily="34" charset="-120"/>
+              </a:rPr>
+              <a:t> </a:t>
+            </a:r>
+            <a:r>
+              <a:rPr lang="en-US" sz="1350" dirty="0" err="1">
+                <a:solidFill>
+                  <a:srgbClr val="292929"/>
+                </a:solidFill>
+                <a:latin typeface="Arial" pitchFamily="34" charset="0"/>
+                <a:ea typeface="Arial" pitchFamily="34" charset="-122"/>
+                <a:cs typeface="Arial" pitchFamily="34" charset="-120"/>
+              </a:rPr>
+              <a:t>iteraciones</a:t>
+            </a:r>
+            <a:r>
+              <a:rPr lang="en-US" sz="1350" dirty="0">
+                <a:solidFill>
+                  <a:srgbClr val="292929"/>
+                </a:solidFill>
+                <a:latin typeface="Arial" pitchFamily="34" charset="0"/>
+                <a:ea typeface="Arial" pitchFamily="34" charset="-122"/>
+                <a:cs typeface="Arial" pitchFamily="34" charset="-120"/>
+              </a:rPr>
+              <a:t>)</a:t>
             </a:r>
             <a:endParaRPr lang="en-US" sz="1350" dirty="0"/>
           </a:p>
